--- a/ppt/2.3循环.pptx
+++ b/ppt/2.3循环.pptx
@@ -230,7 +230,7 @@
           <a:p>
             <a:fld id="{66C3546E-20F6-7649-A9A4-4E4A245D3E82}" type="datetimeFigureOut">
               <a:rPr kumimoji="1" lang="zh-CN" altLang="en-US" smtClean="0"/>
-              <a:t>2020/2/10</a:t>
+              <a:t>2020/2/21</a:t>
             </a:fld>
             <a:endParaRPr kumimoji="1" lang="zh-CN" altLang="en-US"/>
           </a:p>
@@ -1579,7 +1579,7 @@
           <a:p>
             <a:fld id="{1C49BB65-7B3F-4D4E-A397-BBFD82890A5A}" type="datetimeFigureOut">
               <a:rPr kumimoji="1" lang="zh-CN" altLang="en-US" smtClean="0"/>
-              <a:t>2020/2/10</a:t>
+              <a:t>2020/2/21</a:t>
             </a:fld>
             <a:endParaRPr kumimoji="1" lang="zh-CN" altLang="en-US"/>
           </a:p>
@@ -1777,7 +1777,7 @@
           <a:p>
             <a:fld id="{1C49BB65-7B3F-4D4E-A397-BBFD82890A5A}" type="datetimeFigureOut">
               <a:rPr kumimoji="1" lang="zh-CN" altLang="en-US" smtClean="0"/>
-              <a:t>2020/2/10</a:t>
+              <a:t>2020/2/21</a:t>
             </a:fld>
             <a:endParaRPr kumimoji="1" lang="zh-CN" altLang="en-US"/>
           </a:p>
@@ -1985,7 +1985,7 @@
           <a:p>
             <a:fld id="{1C49BB65-7B3F-4D4E-A397-BBFD82890A5A}" type="datetimeFigureOut">
               <a:rPr kumimoji="1" lang="zh-CN" altLang="en-US" smtClean="0"/>
-              <a:t>2020/2/10</a:t>
+              <a:t>2020/2/21</a:t>
             </a:fld>
             <a:endParaRPr kumimoji="1" lang="zh-CN" altLang="en-US"/>
           </a:p>
@@ -2183,7 +2183,7 @@
           <a:p>
             <a:fld id="{1C49BB65-7B3F-4D4E-A397-BBFD82890A5A}" type="datetimeFigureOut">
               <a:rPr kumimoji="1" lang="zh-CN" altLang="en-US" smtClean="0"/>
-              <a:t>2020/2/10</a:t>
+              <a:t>2020/2/21</a:t>
             </a:fld>
             <a:endParaRPr kumimoji="1" lang="zh-CN" altLang="en-US"/>
           </a:p>
@@ -2458,7 +2458,7 @@
           <a:p>
             <a:fld id="{1C49BB65-7B3F-4D4E-A397-BBFD82890A5A}" type="datetimeFigureOut">
               <a:rPr kumimoji="1" lang="zh-CN" altLang="en-US" smtClean="0"/>
-              <a:t>2020/2/10</a:t>
+              <a:t>2020/2/21</a:t>
             </a:fld>
             <a:endParaRPr kumimoji="1" lang="zh-CN" altLang="en-US"/>
           </a:p>
@@ -2723,7 +2723,7 @@
           <a:p>
             <a:fld id="{1C49BB65-7B3F-4D4E-A397-BBFD82890A5A}" type="datetimeFigureOut">
               <a:rPr kumimoji="1" lang="zh-CN" altLang="en-US" smtClean="0"/>
-              <a:t>2020/2/10</a:t>
+              <a:t>2020/2/21</a:t>
             </a:fld>
             <a:endParaRPr kumimoji="1" lang="zh-CN" altLang="en-US"/>
           </a:p>
@@ -3135,7 +3135,7 @@
           <a:p>
             <a:fld id="{1C49BB65-7B3F-4D4E-A397-BBFD82890A5A}" type="datetimeFigureOut">
               <a:rPr kumimoji="1" lang="zh-CN" altLang="en-US" smtClean="0"/>
-              <a:t>2020/2/10</a:t>
+              <a:t>2020/2/21</a:t>
             </a:fld>
             <a:endParaRPr kumimoji="1" lang="zh-CN" altLang="en-US"/>
           </a:p>
@@ -3276,7 +3276,7 @@
           <a:p>
             <a:fld id="{1C49BB65-7B3F-4D4E-A397-BBFD82890A5A}" type="datetimeFigureOut">
               <a:rPr kumimoji="1" lang="zh-CN" altLang="en-US" smtClean="0"/>
-              <a:t>2020/2/10</a:t>
+              <a:t>2020/2/21</a:t>
             </a:fld>
             <a:endParaRPr kumimoji="1" lang="zh-CN" altLang="en-US"/>
           </a:p>
@@ -3646,7 +3646,7 @@
           <a:p>
             <a:fld id="{1C49BB65-7B3F-4D4E-A397-BBFD82890A5A}" type="datetimeFigureOut">
               <a:rPr kumimoji="1" lang="zh-CN" altLang="en-US" smtClean="0"/>
-              <a:t>2020/2/10</a:t>
+              <a:t>2020/2/21</a:t>
             </a:fld>
             <a:endParaRPr kumimoji="1" lang="zh-CN" altLang="en-US"/>
           </a:p>
@@ -3934,7 +3934,7 @@
           <a:p>
             <a:fld id="{1C49BB65-7B3F-4D4E-A397-BBFD82890A5A}" type="datetimeFigureOut">
               <a:rPr kumimoji="1" lang="zh-CN" altLang="en-US" smtClean="0"/>
-              <a:t>2020/2/10</a:t>
+              <a:t>2020/2/21</a:t>
             </a:fld>
             <a:endParaRPr kumimoji="1" lang="zh-CN" altLang="en-US"/>
           </a:p>
@@ -4175,7 +4175,7 @@
           <a:p>
             <a:fld id="{1C49BB65-7B3F-4D4E-A397-BBFD82890A5A}" type="datetimeFigureOut">
               <a:rPr kumimoji="1" lang="zh-CN" altLang="en-US" smtClean="0"/>
-              <a:t>2020/2/10</a:t>
+              <a:t>2020/2/21</a:t>
             </a:fld>
             <a:endParaRPr kumimoji="1" lang="zh-CN" altLang="en-US"/>
           </a:p>
